--- a/slides.pptx
+++ b/slides.pptx
@@ -214,7 +214,7 @@
           <a:p>
             <a:fld id="{B2CF9BB7-CFE5-464A-BEBB-B5B7AF73EA11}" type="datetimeFigureOut">
               <a:rPr lang="en-MX" smtClean="0"/>
-              <a:t>09/12/22</a:t>
+              <a:t>10/12/22</a:t>
             </a:fld>
             <a:endParaRPr lang="en-MX"/>
           </a:p>
@@ -1257,7 +1257,7 @@
           <a:p>
             <a:fld id="{E74353ED-ACB2-44BF-A903-985B0AF962B7}" type="datetime1">
               <a:rPr lang="en-US" smtClean="0"/>
-              <a:t>12/9/22</a:t>
+              <a:t>12/10/22</a:t>
             </a:fld>
             <a:endParaRPr lang="en-US"/>
           </a:p>
@@ -2121,7 +2121,7 @@
           <a:p>
             <a:fld id="{381C2595-9710-F448-9D2B-ADDF02AEEBDB}" type="datetimeFigureOut">
               <a:rPr lang="en-MX" smtClean="0"/>
-              <a:t>09/12/22</a:t>
+              <a:t>10/12/22</a:t>
             </a:fld>
             <a:endParaRPr lang="en-MX"/>
           </a:p>
@@ -2321,7 +2321,7 @@
           <a:p>
             <a:fld id="{381C2595-9710-F448-9D2B-ADDF02AEEBDB}" type="datetimeFigureOut">
               <a:rPr lang="en-MX" smtClean="0"/>
-              <a:t>09/12/22</a:t>
+              <a:t>10/12/22</a:t>
             </a:fld>
             <a:endParaRPr lang="en-MX"/>
           </a:p>
@@ -2531,7 +2531,7 @@
           <a:p>
             <a:fld id="{381C2595-9710-F448-9D2B-ADDF02AEEBDB}" type="datetimeFigureOut">
               <a:rPr lang="en-MX" smtClean="0"/>
-              <a:t>09/12/22</a:t>
+              <a:t>10/12/22</a:t>
             </a:fld>
             <a:endParaRPr lang="en-MX"/>
           </a:p>
@@ -2731,7 +2731,7 @@
           <a:p>
             <a:fld id="{381C2595-9710-F448-9D2B-ADDF02AEEBDB}" type="datetimeFigureOut">
               <a:rPr lang="en-MX" smtClean="0"/>
-              <a:t>09/12/22</a:t>
+              <a:t>10/12/22</a:t>
             </a:fld>
             <a:endParaRPr lang="en-MX"/>
           </a:p>
@@ -3007,7 +3007,7 @@
           <a:p>
             <a:fld id="{381C2595-9710-F448-9D2B-ADDF02AEEBDB}" type="datetimeFigureOut">
               <a:rPr lang="en-MX" smtClean="0"/>
-              <a:t>09/12/22</a:t>
+              <a:t>10/12/22</a:t>
             </a:fld>
             <a:endParaRPr lang="en-MX"/>
           </a:p>
@@ -3275,7 +3275,7 @@
           <a:p>
             <a:fld id="{381C2595-9710-F448-9D2B-ADDF02AEEBDB}" type="datetimeFigureOut">
               <a:rPr lang="en-MX" smtClean="0"/>
-              <a:t>09/12/22</a:t>
+              <a:t>10/12/22</a:t>
             </a:fld>
             <a:endParaRPr lang="en-MX"/>
           </a:p>
@@ -3690,7 +3690,7 @@
           <a:p>
             <a:fld id="{381C2595-9710-F448-9D2B-ADDF02AEEBDB}" type="datetimeFigureOut">
               <a:rPr lang="en-MX" smtClean="0"/>
-              <a:t>09/12/22</a:t>
+              <a:t>10/12/22</a:t>
             </a:fld>
             <a:endParaRPr lang="en-MX"/>
           </a:p>
@@ -3832,7 +3832,7 @@
           <a:p>
             <a:fld id="{381C2595-9710-F448-9D2B-ADDF02AEEBDB}" type="datetimeFigureOut">
               <a:rPr lang="en-MX" smtClean="0"/>
-              <a:t>09/12/22</a:t>
+              <a:t>10/12/22</a:t>
             </a:fld>
             <a:endParaRPr lang="en-MX"/>
           </a:p>
@@ -3945,7 +3945,7 @@
           <a:p>
             <a:fld id="{381C2595-9710-F448-9D2B-ADDF02AEEBDB}" type="datetimeFigureOut">
               <a:rPr lang="en-MX" smtClean="0"/>
-              <a:t>09/12/22</a:t>
+              <a:t>10/12/22</a:t>
             </a:fld>
             <a:endParaRPr lang="en-MX"/>
           </a:p>
@@ -4258,7 +4258,7 @@
           <a:p>
             <a:fld id="{381C2595-9710-F448-9D2B-ADDF02AEEBDB}" type="datetimeFigureOut">
               <a:rPr lang="en-MX" smtClean="0"/>
-              <a:t>09/12/22</a:t>
+              <a:t>10/12/22</a:t>
             </a:fld>
             <a:endParaRPr lang="en-MX"/>
           </a:p>
@@ -4547,7 +4547,7 @@
           <a:p>
             <a:fld id="{381C2595-9710-F448-9D2B-ADDF02AEEBDB}" type="datetimeFigureOut">
               <a:rPr lang="en-MX" smtClean="0"/>
-              <a:t>09/12/22</a:t>
+              <a:t>10/12/22</a:t>
             </a:fld>
             <a:endParaRPr lang="en-MX"/>
           </a:p>
@@ -4790,7 +4790,7 @@
           <a:p>
             <a:fld id="{381C2595-9710-F448-9D2B-ADDF02AEEBDB}" type="datetimeFigureOut">
               <a:rPr lang="en-MX" smtClean="0"/>
-              <a:t>09/12/22</a:t>
+              <a:t>10/12/22</a:t>
             </a:fld>
             <a:endParaRPr lang="en-MX"/>
           </a:p>
@@ -8228,27 +8228,11 @@
             </a:pPr>
             <a:r>
               <a:rPr lang="es-ES_tradnl" dirty="0" err="1"/>
-              <a:t>Description</a:t>
+              <a:t>ExcludedWithChildren</a:t>
             </a:r>
             <a:r>
               <a:rPr lang="es-ES_tradnl" dirty="0"/>
-              <a:t>: representa la descripción a dictar dentro del </a:t>
-            </a:r>
-            <a:r>
-              <a:rPr lang="es-ES_tradnl" dirty="0" err="1"/>
-              <a:t>screen</a:t>
-            </a:r>
-            <a:r>
-              <a:rPr lang="es-ES_tradnl" dirty="0"/>
-              <a:t> </a:t>
-            </a:r>
-            <a:r>
-              <a:rPr lang="es-ES_tradnl" dirty="0" err="1"/>
-              <a:t>reader</a:t>
-            </a:r>
-            <a:r>
-              <a:rPr lang="es-ES_tradnl" dirty="0"/>
-              <a:t>.</a:t>
+              <a:t>: Asigna esta propiedad en falso en el caso de no requerir tener el objecto y sus subcomponentes como parte del árbol de accesibilidad.</a:t>
             </a:r>
           </a:p>
           <a:p>
@@ -8258,12 +8242,18 @@
               </a:spcBef>
             </a:pPr>
             <a:r>
-              <a:rPr lang="es-ES_tradnl" dirty="0" err="1"/>
-              <a:t>Hint</a:t>
+              <a:rPr lang="en-US" b="0" i="0" u="none" strike="noStrike" dirty="0" err="1">
+                <a:solidFill>
+                  <a:srgbClr val="171717"/>
+                </a:solidFill>
+                <a:effectLst/>
+                <a:latin typeface="SFMono-Regular"/>
+              </a:rPr>
+              <a:t>IsInAccessibleTree</a:t>
             </a:r>
             <a:r>
               <a:rPr lang="es-ES_tradnl" dirty="0"/>
-              <a:t>: representa un contexto adicional  de un componente.</a:t>
+              <a:t>: Asigna esta propiedad en falso en el caso de no requerir tener el objecto como parte del árbol de accesibilidad.</a:t>
             </a:r>
           </a:p>
           <a:p>
@@ -8274,11 +8264,11 @@
             </a:pPr>
             <a:r>
               <a:rPr lang="es-ES_tradnl" dirty="0" err="1"/>
-              <a:t>HeadingLevel</a:t>
+              <a:t>Name</a:t>
             </a:r>
             <a:r>
               <a:rPr lang="es-ES_tradnl" dirty="0"/>
-              <a:t>: ayuda a agrupar una serie de componentes en diferentes niveles.</a:t>
+              <a:t>: representa una descripción corta.</a:t>
             </a:r>
           </a:p>
           <a:p>
@@ -8289,27 +8279,11 @@
             </a:pPr>
             <a:r>
               <a:rPr lang="es-ES_tradnl" dirty="0" err="1"/>
-              <a:t>Semanci</a:t>
+              <a:t>HelpText</a:t>
             </a:r>
             <a:r>
               <a:rPr lang="es-ES_tradnl" dirty="0"/>
-              <a:t> </a:t>
-            </a:r>
-            <a:r>
-              <a:rPr lang="es-ES_tradnl" dirty="0" err="1"/>
-              <a:t>focus</a:t>
-            </a:r>
-            <a:r>
-              <a:rPr lang="es-ES_tradnl" dirty="0"/>
-              <a:t>: </a:t>
-            </a:r>
-            <a:r>
-              <a:rPr lang="es-ES_tradnl" dirty="0" err="1"/>
-              <a:t>metodo</a:t>
-            </a:r>
-            <a:r>
-              <a:rPr lang="es-ES_tradnl" dirty="0"/>
-              <a:t> extendido que ayuda a asignar el foco a un componente en especifico.</a:t>
+              <a:t>: representa una descripción complementaria / extendida.</a:t>
             </a:r>
           </a:p>
           <a:p>
@@ -8320,34 +8294,12 @@
             </a:pPr>
             <a:r>
               <a:rPr lang="es-ES_tradnl" dirty="0" err="1"/>
-              <a:t>Semactic</a:t>
+              <a:t>LabeledBy</a:t>
             </a:r>
             <a:r>
               <a:rPr lang="es-ES_tradnl" dirty="0"/>
-              <a:t> </a:t>
-            </a:r>
-            <a:r>
-              <a:rPr lang="es-ES_tradnl" dirty="0" err="1"/>
-              <a:t>screen</a:t>
-            </a:r>
-            <a:r>
-              <a:rPr lang="es-ES_tradnl" dirty="0"/>
-              <a:t> </a:t>
-            </a:r>
-            <a:r>
-              <a:rPr lang="es-ES_tradnl" dirty="0" err="1"/>
-              <a:t>reader</a:t>
-            </a:r>
-            <a:r>
-              <a:rPr lang="es-ES_tradnl" dirty="0"/>
-              <a:t>: ayuda a proporcionar contexto extra de tareas que esta corriendo en la aplicación.</a:t>
-            </a:r>
-          </a:p>
-          <a:p>
-            <a:pPr marL="457200" lvl="1" indent="0">
-              <a:buNone/>
-            </a:pPr>
-            <a:endParaRPr lang="es-ES_tradnl" dirty="0"/>
+              <a:t>: Enlaza 2 componentes en uno solo dentro del árbol de accesibilidad.</a:t>
+            </a:r>
           </a:p>
         </p:txBody>
       </p:sp>
